--- a/小專/07_小專簡報.pptx
+++ b/小專/07_小專簡報.pptx
@@ -6,15 +6,16 @@
   </p:sldMasterIdLst>
   <p:sldIdLst>
     <p:sldId id="256" r:id="rId2"/>
-    <p:sldId id="258" r:id="rId3"/>
-    <p:sldId id="257" r:id="rId4"/>
-    <p:sldId id="259" r:id="rId5"/>
-    <p:sldId id="260" r:id="rId6"/>
-    <p:sldId id="261" r:id="rId7"/>
-    <p:sldId id="262" r:id="rId8"/>
-    <p:sldId id="263" r:id="rId9"/>
-    <p:sldId id="264" r:id="rId10"/>
-    <p:sldId id="265" r:id="rId11"/>
+    <p:sldId id="266" r:id="rId3"/>
+    <p:sldId id="258" r:id="rId4"/>
+    <p:sldId id="257" r:id="rId5"/>
+    <p:sldId id="259" r:id="rId6"/>
+    <p:sldId id="260" r:id="rId7"/>
+    <p:sldId id="261" r:id="rId8"/>
+    <p:sldId id="262" r:id="rId9"/>
+    <p:sldId id="263" r:id="rId10"/>
+    <p:sldId id="264" r:id="rId11"/>
+    <p:sldId id="265" r:id="rId12"/>
   </p:sldIdLst>
   <p:sldSz cx="12192000" cy="6858000"/>
   <p:notesSz cx="6858000" cy="9144000"/>
@@ -291,7 +292,7 @@
             <a:fld id="{87DE6118-2437-4B30-8E3C-4D2BE6020583}" type="datetimeFigureOut">
               <a:rPr lang="en-US" dirty="0"/>
               <a:pPr/>
-              <a:t>10/18/2025</a:t>
+              <a:t>10/19/2025</a:t>
             </a:fld>
             <a:endParaRPr lang="en-US" dirty="0"/>
           </a:p>
@@ -617,7 +618,7 @@
           <a:p>
             <a:fld id="{87DE6118-2437-4B30-8E3C-4D2BE6020583}" type="datetimeFigureOut">
               <a:rPr lang="en-US" dirty="0"/>
-              <a:t>10/18/2025</a:t>
+              <a:t>10/19/2025</a:t>
             </a:fld>
             <a:endParaRPr lang="en-US" dirty="0"/>
           </a:p>
@@ -792,7 +793,7 @@
           <a:p>
             <a:fld id="{87DE6118-2437-4B30-8E3C-4D2BE6020583}" type="datetimeFigureOut">
               <a:rPr lang="en-US" dirty="0"/>
-              <a:t>10/18/2025</a:t>
+              <a:t>10/19/2025</a:t>
             </a:fld>
             <a:endParaRPr lang="en-US" dirty="0"/>
           </a:p>
@@ -957,7 +958,7 @@
           <a:p>
             <a:fld id="{87DE6118-2437-4B30-8E3C-4D2BE6020583}" type="datetimeFigureOut">
               <a:rPr lang="en-US" dirty="0"/>
-              <a:t>10/18/2025</a:t>
+              <a:t>10/19/2025</a:t>
             </a:fld>
             <a:endParaRPr lang="en-US" dirty="0"/>
           </a:p>
@@ -1230,7 +1231,7 @@
             <a:fld id="{87DE6118-2437-4B30-8E3C-4D2BE6020583}" type="datetimeFigureOut">
               <a:rPr lang="en-US" dirty="0"/>
               <a:pPr/>
-              <a:t>10/18/2025</a:t>
+              <a:t>10/19/2025</a:t>
             </a:fld>
             <a:endParaRPr lang="en-US" dirty="0"/>
           </a:p>
@@ -1620,7 +1621,7 @@
           <a:p>
             <a:fld id="{87DE6118-2437-4B30-8E3C-4D2BE6020583}" type="datetimeFigureOut">
               <a:rPr lang="en-US" dirty="0"/>
-              <a:t>10/18/2025</a:t>
+              <a:t>10/19/2025</a:t>
             </a:fld>
             <a:endParaRPr lang="en-US" dirty="0"/>
           </a:p>
@@ -2092,7 +2093,7 @@
           <a:p>
             <a:fld id="{87DE6118-2437-4B30-8E3C-4D2BE6020583}" type="datetimeFigureOut">
               <a:rPr lang="en-US" dirty="0"/>
-              <a:t>10/18/2025</a:t>
+              <a:t>10/19/2025</a:t>
             </a:fld>
             <a:endParaRPr lang="en-US" dirty="0"/>
           </a:p>
@@ -2205,7 +2206,7 @@
           <a:p>
             <a:fld id="{87DE6118-2437-4B30-8E3C-4D2BE6020583}" type="datetimeFigureOut">
               <a:rPr lang="en-US" dirty="0"/>
-              <a:t>10/18/2025</a:t>
+              <a:t>10/19/2025</a:t>
             </a:fld>
             <a:endParaRPr lang="en-US" dirty="0"/>
           </a:p>
@@ -2295,7 +2296,7 @@
           <a:p>
             <a:fld id="{87DE6118-2437-4B30-8E3C-4D2BE6020583}" type="datetimeFigureOut">
               <a:rPr lang="en-US" dirty="0"/>
-              <a:t>10/18/2025</a:t>
+              <a:t>10/19/2025</a:t>
             </a:fld>
             <a:endParaRPr lang="en-US" dirty="0"/>
           </a:p>
@@ -2637,7 +2638,7 @@
             <a:fld id="{87DE6118-2437-4B30-8E3C-4D2BE6020583}" type="datetimeFigureOut">
               <a:rPr lang="en-US" dirty="0"/>
               <a:pPr/>
-              <a:t>10/18/2025</a:t>
+              <a:t>10/19/2025</a:t>
             </a:fld>
             <a:endParaRPr lang="en-US" dirty="0"/>
           </a:p>
@@ -3022,7 +3023,7 @@
             <a:fld id="{87DE6118-2437-4B30-8E3C-4D2BE6020583}" type="datetimeFigureOut">
               <a:rPr lang="en-US" dirty="0"/>
               <a:pPr/>
-              <a:t>10/18/2025</a:t>
+              <a:t>10/19/2025</a:t>
             </a:fld>
             <a:endParaRPr lang="en-US" dirty="0"/>
           </a:p>
@@ -3297,7 +3298,7 @@
             <a:fld id="{87DE6118-2437-4B30-8E3C-4D2BE6020583}" type="datetimeFigureOut">
               <a:rPr lang="en-US" dirty="0"/>
               <a:pPr/>
-              <a:t>10/18/2025</a:t>
+              <a:t>10/19/2025</a:t>
             </a:fld>
             <a:endParaRPr lang="en-US" dirty="0"/>
           </a:p>
@@ -3949,6 +3950,357 @@
           <p:cNvPr id="2" name="標題 1">
             <a:extLst>
               <a:ext uri="{FF2B5EF4-FFF2-40B4-BE49-F238E27FC236}">
+                <a16:creationId xmlns:a16="http://schemas.microsoft.com/office/drawing/2014/main" id="{8759469A-50D5-729E-AA37-CC3C2E6856E0}"/>
+              </a:ext>
+            </a:extLst>
+          </p:cNvPr>
+          <p:cNvSpPr>
+            <a:spLocks noGrp="1"/>
+          </p:cNvSpPr>
+          <p:nvPr>
+            <p:ph type="title"/>
+          </p:nvPr>
+        </p:nvSpPr>
+        <p:spPr/>
+        <p:txBody>
+          <a:bodyPr/>
+          <a:lstStyle/>
+          <a:p>
+            <a:r>
+              <a:rPr lang="zh-TW" altLang="en-US" dirty="0"/>
+              <a:t>購物車</a:t>
+            </a:r>
+          </a:p>
+        </p:txBody>
+      </p:sp>
+      <p:pic>
+        <p:nvPicPr>
+          <p:cNvPr id="5" name="內容版面配置區 4">
+            <a:extLst>
+              <a:ext uri="{FF2B5EF4-FFF2-40B4-BE49-F238E27FC236}">
+                <a16:creationId xmlns:a16="http://schemas.microsoft.com/office/drawing/2014/main" id="{1F4E2449-D77A-F22A-9079-6B72A65F52CE}"/>
+              </a:ext>
+            </a:extLst>
+          </p:cNvPr>
+          <p:cNvPicPr>
+            <a:picLocks noGrp="1" noChangeAspect="1"/>
+          </p:cNvPicPr>
+          <p:nvPr>
+            <p:ph idx="1"/>
+          </p:nvPr>
+        </p:nvPicPr>
+        <p:blipFill>
+          <a:blip r:embed="rId2"/>
+          <a:stretch>
+            <a:fillRect/>
+          </a:stretch>
+        </p:blipFill>
+        <p:spPr>
+          <a:xfrm>
+            <a:off x="1371600" y="1978268"/>
+            <a:ext cx="5904733" cy="4088423"/>
+          </a:xfrm>
+        </p:spPr>
+      </p:pic>
+      <p:sp>
+        <p:nvSpPr>
+          <p:cNvPr id="6" name="文字方塊 5">
+            <a:extLst>
+              <a:ext uri="{FF2B5EF4-FFF2-40B4-BE49-F238E27FC236}">
+                <a16:creationId xmlns:a16="http://schemas.microsoft.com/office/drawing/2014/main" id="{CDCD2009-D98A-3AB2-95BE-83B95008CB6E}"/>
+              </a:ext>
+            </a:extLst>
+          </p:cNvPr>
+          <p:cNvSpPr txBox="1"/>
+          <p:nvPr/>
+        </p:nvSpPr>
+        <p:spPr>
+          <a:xfrm>
+            <a:off x="1371600" y="1494691"/>
+            <a:ext cx="3174023" cy="369332"/>
+          </a:xfrm>
+          <a:prstGeom prst="rect">
+            <a:avLst/>
+          </a:prstGeom>
+          <a:noFill/>
+        </p:spPr>
+        <p:txBody>
+          <a:bodyPr wrap="square" rtlCol="0">
+            <a:spAutoFit/>
+          </a:bodyPr>
+          <a:lstStyle/>
+          <a:p>
+            <a:r>
+              <a:rPr lang="zh-TW" altLang="en-US" dirty="0"/>
+              <a:t>加入購物車後可在此頁查看</a:t>
+            </a:r>
+          </a:p>
+        </p:txBody>
+      </p:sp>
+      <p:sp>
+        <p:nvSpPr>
+          <p:cNvPr id="7" name="文字方塊 6">
+            <a:extLst>
+              <a:ext uri="{FF2B5EF4-FFF2-40B4-BE49-F238E27FC236}">
+                <a16:creationId xmlns:a16="http://schemas.microsoft.com/office/drawing/2014/main" id="{3745A6D7-1BE5-1A36-B90B-1806D8F034F9}"/>
+              </a:ext>
+            </a:extLst>
+          </p:cNvPr>
+          <p:cNvSpPr txBox="1"/>
+          <p:nvPr/>
+        </p:nvSpPr>
+        <p:spPr>
+          <a:xfrm>
+            <a:off x="7596553" y="3020116"/>
+            <a:ext cx="2743200" cy="369332"/>
+          </a:xfrm>
+          <a:prstGeom prst="rect">
+            <a:avLst/>
+          </a:prstGeom>
+          <a:noFill/>
+        </p:spPr>
+        <p:txBody>
+          <a:bodyPr wrap="square" rtlCol="0">
+            <a:spAutoFit/>
+          </a:bodyPr>
+          <a:lstStyle/>
+          <a:p>
+            <a:r>
+              <a:rPr lang="zh-TW" altLang="en-US" dirty="0"/>
+              <a:t>點選可從購物車移除商品</a:t>
+            </a:r>
+          </a:p>
+        </p:txBody>
+      </p:sp>
+      <p:cxnSp>
+        <p:nvCxnSpPr>
+          <p:cNvPr id="9" name="直線單箭頭接點 8">
+            <a:extLst>
+              <a:ext uri="{FF2B5EF4-FFF2-40B4-BE49-F238E27FC236}">
+                <a16:creationId xmlns:a16="http://schemas.microsoft.com/office/drawing/2014/main" id="{640248CB-6EA4-A97E-8167-1C9CD239A3B9}"/>
+              </a:ext>
+            </a:extLst>
+          </p:cNvPr>
+          <p:cNvCxnSpPr>
+            <a:cxnSpLocks/>
+            <a:endCxn id="7" idx="1"/>
+          </p:cNvCxnSpPr>
+          <p:nvPr/>
+        </p:nvCxnSpPr>
+        <p:spPr>
+          <a:xfrm>
+            <a:off x="6945923" y="3165231"/>
+            <a:ext cx="650630" cy="39551"/>
+          </a:xfrm>
+          <a:prstGeom prst="straightConnector1">
+            <a:avLst/>
+          </a:prstGeom>
+          <a:ln>
+            <a:tailEnd type="triangle"/>
+          </a:ln>
+        </p:spPr>
+        <p:style>
+          <a:lnRef idx="1">
+            <a:schemeClr val="dk1"/>
+          </a:lnRef>
+          <a:fillRef idx="0">
+            <a:schemeClr val="dk1"/>
+          </a:fillRef>
+          <a:effectRef idx="0">
+            <a:schemeClr val="dk1"/>
+          </a:effectRef>
+          <a:fontRef idx="minor">
+            <a:schemeClr val="tx1"/>
+          </a:fontRef>
+        </p:style>
+      </p:cxnSp>
+      <p:sp>
+        <p:nvSpPr>
+          <p:cNvPr id="13" name="文字方塊 12">
+            <a:extLst>
+              <a:ext uri="{FF2B5EF4-FFF2-40B4-BE49-F238E27FC236}">
+                <a16:creationId xmlns:a16="http://schemas.microsoft.com/office/drawing/2014/main" id="{0A29E445-4A33-6BB5-9316-6AE4C17C8797}"/>
+              </a:ext>
+            </a:extLst>
+          </p:cNvPr>
+          <p:cNvSpPr txBox="1"/>
+          <p:nvPr/>
+        </p:nvSpPr>
+        <p:spPr>
+          <a:xfrm>
+            <a:off x="3251304" y="5363309"/>
+            <a:ext cx="1944949" cy="369332"/>
+          </a:xfrm>
+          <a:prstGeom prst="rect">
+            <a:avLst/>
+          </a:prstGeom>
+          <a:noFill/>
+        </p:spPr>
+        <p:txBody>
+          <a:bodyPr wrap="square" rtlCol="0">
+            <a:spAutoFit/>
+          </a:bodyPr>
+          <a:lstStyle/>
+          <a:p>
+            <a:r>
+              <a:rPr lang="zh-TW" altLang="en-US" dirty="0"/>
+              <a:t>自動計算總金額</a:t>
+            </a:r>
+          </a:p>
+        </p:txBody>
+      </p:sp>
+      <p:cxnSp>
+        <p:nvCxnSpPr>
+          <p:cNvPr id="15" name="直線單箭頭接點 14">
+            <a:extLst>
+              <a:ext uri="{FF2B5EF4-FFF2-40B4-BE49-F238E27FC236}">
+                <a16:creationId xmlns:a16="http://schemas.microsoft.com/office/drawing/2014/main" id="{FD484AA2-4E7D-5AB2-41FF-65E48DBDFFD3}"/>
+              </a:ext>
+            </a:extLst>
+          </p:cNvPr>
+          <p:cNvCxnSpPr>
+            <a:cxnSpLocks/>
+          </p:cNvCxnSpPr>
+          <p:nvPr/>
+        </p:nvCxnSpPr>
+        <p:spPr>
+          <a:xfrm>
+            <a:off x="2664069" y="5503985"/>
+            <a:ext cx="587235" cy="43990"/>
+          </a:xfrm>
+          <a:prstGeom prst="straightConnector1">
+            <a:avLst/>
+          </a:prstGeom>
+          <a:ln>
+            <a:tailEnd type="triangle"/>
+          </a:ln>
+        </p:spPr>
+        <p:style>
+          <a:lnRef idx="1">
+            <a:schemeClr val="dk1"/>
+          </a:lnRef>
+          <a:fillRef idx="0">
+            <a:schemeClr val="dk1"/>
+          </a:fillRef>
+          <a:effectRef idx="0">
+            <a:schemeClr val="dk1"/>
+          </a:effectRef>
+          <a:fontRef idx="minor">
+            <a:schemeClr val="tx1"/>
+          </a:fontRef>
+        </p:style>
+      </p:cxnSp>
+      <p:cxnSp>
+        <p:nvCxnSpPr>
+          <p:cNvPr id="4" name="直線單箭頭接點 3">
+            <a:extLst>
+              <a:ext uri="{FF2B5EF4-FFF2-40B4-BE49-F238E27FC236}">
+                <a16:creationId xmlns:a16="http://schemas.microsoft.com/office/drawing/2014/main" id="{8A681DC1-8766-7366-5CDE-BD355C20A2E7}"/>
+              </a:ext>
+            </a:extLst>
+          </p:cNvPr>
+          <p:cNvCxnSpPr>
+            <a:cxnSpLocks/>
+          </p:cNvCxnSpPr>
+          <p:nvPr/>
+        </p:nvCxnSpPr>
+        <p:spPr>
+          <a:xfrm>
+            <a:off x="2031023" y="6119445"/>
+            <a:ext cx="272562" cy="202224"/>
+          </a:xfrm>
+          <a:prstGeom prst="straightConnector1">
+            <a:avLst/>
+          </a:prstGeom>
+          <a:ln>
+            <a:tailEnd type="triangle"/>
+          </a:ln>
+        </p:spPr>
+        <p:style>
+          <a:lnRef idx="1">
+            <a:schemeClr val="dk1"/>
+          </a:lnRef>
+          <a:fillRef idx="0">
+            <a:schemeClr val="dk1"/>
+          </a:fillRef>
+          <a:effectRef idx="0">
+            <a:schemeClr val="dk1"/>
+          </a:effectRef>
+          <a:fontRef idx="minor">
+            <a:schemeClr val="tx1"/>
+          </a:fontRef>
+        </p:style>
+      </p:cxnSp>
+      <p:sp>
+        <p:nvSpPr>
+          <p:cNvPr id="10" name="文字方塊 9">
+            <a:extLst>
+              <a:ext uri="{FF2B5EF4-FFF2-40B4-BE49-F238E27FC236}">
+                <a16:creationId xmlns:a16="http://schemas.microsoft.com/office/drawing/2014/main" id="{270EC81C-B4F3-E3DA-0D2F-DC9869FF5BC3}"/>
+              </a:ext>
+            </a:extLst>
+          </p:cNvPr>
+          <p:cNvSpPr txBox="1"/>
+          <p:nvPr/>
+        </p:nvSpPr>
+        <p:spPr>
+          <a:xfrm>
+            <a:off x="1137099" y="6321669"/>
+            <a:ext cx="5035101" cy="369332"/>
+          </a:xfrm>
+          <a:prstGeom prst="rect">
+            <a:avLst/>
+          </a:prstGeom>
+          <a:noFill/>
+        </p:spPr>
+        <p:txBody>
+          <a:bodyPr wrap="square" rtlCol="0">
+            <a:spAutoFit/>
+          </a:bodyPr>
+          <a:lstStyle/>
+          <a:p>
+            <a:r>
+              <a:rPr lang="zh-TW" altLang="en-US" dirty="0"/>
+              <a:t>點選後出現彈出視窗顯示總金額，並清空購物車</a:t>
+            </a:r>
+          </a:p>
+        </p:txBody>
+      </p:sp>
+    </p:spTree>
+    <p:extLst>
+      <p:ext uri="{BB962C8B-B14F-4D97-AF65-F5344CB8AC3E}">
+        <p14:creationId xmlns:p14="http://schemas.microsoft.com/office/powerpoint/2010/main" val="3043231919"/>
+      </p:ext>
+    </p:extLst>
+  </p:cSld>
+  <p:clrMapOvr>
+    <a:masterClrMapping/>
+  </p:clrMapOvr>
+</p:sld>
+</file>
+
+<file path=ppt/slides/slide11.xml><?xml version="1.0" encoding="utf-8"?>
+<p:sld xmlns:a="http://schemas.openxmlformats.org/drawingml/2006/main" xmlns:r="http://schemas.openxmlformats.org/officeDocument/2006/relationships" xmlns:p="http://schemas.openxmlformats.org/presentationml/2006/main">
+  <p:cSld>
+    <p:spTree>
+      <p:nvGrpSpPr>
+        <p:cNvPr id="1" name=""/>
+        <p:cNvGrpSpPr/>
+        <p:nvPr/>
+      </p:nvGrpSpPr>
+      <p:grpSpPr>
+        <a:xfrm>
+          <a:off x="0" y="0"/>
+          <a:ext cx="0" cy="0"/>
+          <a:chOff x="0" y="0"/>
+          <a:chExt cx="0" cy="0"/>
+        </a:xfrm>
+      </p:grpSpPr>
+      <p:sp>
+        <p:nvSpPr>
+          <p:cNvPr id="2" name="標題 1">
+            <a:extLst>
+              <a:ext uri="{FF2B5EF4-FFF2-40B4-BE49-F238E27FC236}">
                 <a16:creationId xmlns:a16="http://schemas.microsoft.com/office/drawing/2014/main" id="{450C9508-0B73-9B52-98B7-8DDB9C20AF72}"/>
               </a:ext>
             </a:extLst>
@@ -4049,8 +4401,8 @@
               <a:buNone/>
             </a:pPr>
             <a:r>
-              <a:rPr lang="zh-TW" altLang="en-US" sz="1600" dirty="0"/>
-              <a:t>巧敲道具工作室</a:t>
+              <a:rPr lang="en-US" altLang="zh-TW" sz="1600" dirty="0"/>
+              <a:t>TS-SHOP </a:t>
             </a:r>
           </a:p>
           <a:p>
@@ -4070,9 +4422,10 @@
               <a:buNone/>
             </a:pPr>
             <a:r>
-              <a:rPr lang="en-US" altLang="zh-TW" sz="1600" dirty="0"/>
-              <a:t>TS-SHOP</a:t>
-            </a:r>
+              <a:rPr lang="zh-TW" altLang="en-US" sz="1600" dirty="0"/>
+              <a:t>巧敲道具工作室</a:t>
+            </a:r>
+            <a:endParaRPr lang="en-US" altLang="zh-TW" sz="1600" dirty="0"/>
           </a:p>
           <a:p>
             <a:pPr marL="0" indent="0">
@@ -4141,7 +4494,7 @@
           <p:cNvPr id="2" name="標題 1">
             <a:extLst>
               <a:ext uri="{FF2B5EF4-FFF2-40B4-BE49-F238E27FC236}">
-                <a16:creationId xmlns:a16="http://schemas.microsoft.com/office/drawing/2014/main" id="{07BFCF15-8F19-74D7-30CA-6194DEC94AC6}"/>
+                <a16:creationId xmlns:a16="http://schemas.microsoft.com/office/drawing/2014/main" id="{10072280-A36E-06CE-9089-80CEEB55B074}"/>
               </a:ext>
             </a:extLst>
           </p:cNvPr>
@@ -4159,58 +4512,154 @@
           <a:p>
             <a:r>
               <a:rPr lang="zh-TW" altLang="en-US" dirty="0"/>
-              <a:t>使用工具</a:t>
-            </a:r>
-          </a:p>
-        </p:txBody>
-      </p:sp>
-      <p:sp>
-        <p:nvSpPr>
-          <p:cNvPr id="3" name="內容版面配置區 2">
+              <a:t>日程</a:t>
+            </a:r>
+          </a:p>
+        </p:txBody>
+      </p:sp>
+      <p:pic>
+        <p:nvPicPr>
+          <p:cNvPr id="5" name="內容版面配置區 4">
             <a:extLst>
               <a:ext uri="{FF2B5EF4-FFF2-40B4-BE49-F238E27FC236}">
-                <a16:creationId xmlns:a16="http://schemas.microsoft.com/office/drawing/2014/main" id="{56AA5032-DA39-E1B7-3638-023E887B5E51}"/>
+                <a16:creationId xmlns:a16="http://schemas.microsoft.com/office/drawing/2014/main" id="{3B9D360A-CD21-09BE-7985-B899EB232099}"/>
               </a:ext>
             </a:extLst>
           </p:cNvPr>
-          <p:cNvSpPr>
-            <a:spLocks noGrp="1"/>
-          </p:cNvSpPr>
+          <p:cNvPicPr>
+            <a:picLocks noGrp="1" noChangeAspect="1"/>
+          </p:cNvPicPr>
           <p:nvPr>
             <p:ph idx="1"/>
           </p:nvPr>
-        </p:nvSpPr>
-        <p:spPr/>
-        <p:txBody>
-          <a:bodyPr/>
+        </p:nvPicPr>
+        <p:blipFill>
+          <a:blip r:embed="rId2"/>
+          <a:stretch>
+            <a:fillRect/>
+          </a:stretch>
+        </p:blipFill>
+        <p:spPr>
+          <a:xfrm>
+            <a:off x="1132502" y="2171700"/>
+            <a:ext cx="4963498" cy="3833049"/>
+          </a:xfrm>
+        </p:spPr>
+      </p:pic>
+      <p:pic>
+        <p:nvPicPr>
+          <p:cNvPr id="7" name="圖片 6">
+            <a:extLst>
+              <a:ext uri="{FF2B5EF4-FFF2-40B4-BE49-F238E27FC236}">
+                <a16:creationId xmlns:a16="http://schemas.microsoft.com/office/drawing/2014/main" id="{F50BA83E-7B28-5CC8-1458-222849146B33}"/>
+              </a:ext>
+            </a:extLst>
+          </p:cNvPr>
+          <p:cNvPicPr>
+            <a:picLocks noChangeAspect="1"/>
+          </p:cNvPicPr>
+          <p:nvPr/>
+        </p:nvPicPr>
+        <p:blipFill>
+          <a:blip r:embed="rId3"/>
+          <a:stretch>
+            <a:fillRect/>
+          </a:stretch>
+        </p:blipFill>
+        <p:spPr>
+          <a:xfrm>
+            <a:off x="6606702" y="2171700"/>
+            <a:ext cx="5071449" cy="3884514"/>
+          </a:xfrm>
+          <a:prstGeom prst="rect">
+            <a:avLst/>
+          </a:prstGeom>
+        </p:spPr>
+      </p:pic>
+      <p:sp>
+        <p:nvSpPr>
+          <p:cNvPr id="8" name="文字方塊 7">
+            <a:extLst>
+              <a:ext uri="{FF2B5EF4-FFF2-40B4-BE49-F238E27FC236}">
+                <a16:creationId xmlns:a16="http://schemas.microsoft.com/office/drawing/2014/main" id="{64A6FF4E-C168-F1D9-B597-0285A4EA6DDC}"/>
+              </a:ext>
+            </a:extLst>
+          </p:cNvPr>
+          <p:cNvSpPr txBox="1"/>
+          <p:nvPr/>
+        </p:nvSpPr>
+        <p:spPr>
+          <a:xfrm>
+            <a:off x="1132502" y="1555498"/>
+            <a:ext cx="941560" cy="461665"/>
+          </a:xfrm>
+          <a:prstGeom prst="rect">
+            <a:avLst/>
+          </a:prstGeom>
+          <a:noFill/>
+        </p:spPr>
+        <p:txBody>
+          <a:bodyPr wrap="square" rtlCol="0">
+            <a:spAutoFit/>
+          </a:bodyPr>
           <a:lstStyle/>
           <a:p>
             <a:r>
-              <a:rPr lang="en-US" altLang="zh-TW" dirty="0"/>
-              <a:t>HTML</a:t>
-            </a:r>
-          </a:p>
-          <a:p>
-            <a:r>
-              <a:rPr lang="en-US" altLang="zh-TW" dirty="0"/>
-              <a:t>CSS</a:t>
-            </a:r>
-          </a:p>
-          <a:p>
-            <a:r>
-              <a:rPr lang="en-US" altLang="zh-TW" dirty="0"/>
-              <a:t>JavaScript</a:t>
-            </a:r>
-          </a:p>
-          <a:p>
-            <a:endParaRPr lang="en-US" altLang="zh-TW" dirty="0"/>
+              <a:rPr lang="zh-TW" altLang="en-US" sz="2400" dirty="0"/>
+              <a:t>計畫 </a:t>
+            </a:r>
+            <a:r>
+              <a:rPr lang="en-US" altLang="zh-TW" sz="2400" dirty="0"/>
+              <a:t>:</a:t>
+            </a:r>
+            <a:endParaRPr lang="zh-TW" altLang="en-US" sz="2400" dirty="0"/>
+          </a:p>
+        </p:txBody>
+      </p:sp>
+      <p:sp>
+        <p:nvSpPr>
+          <p:cNvPr id="9" name="文字方塊 8">
+            <a:extLst>
+              <a:ext uri="{FF2B5EF4-FFF2-40B4-BE49-F238E27FC236}">
+                <a16:creationId xmlns:a16="http://schemas.microsoft.com/office/drawing/2014/main" id="{2AF3D327-9FB2-1655-64EF-13007B0CC391}"/>
+              </a:ext>
+            </a:extLst>
+          </p:cNvPr>
+          <p:cNvSpPr txBox="1"/>
+          <p:nvPr/>
+        </p:nvSpPr>
+        <p:spPr>
+          <a:xfrm>
+            <a:off x="6618709" y="1555498"/>
+            <a:ext cx="1007262" cy="461665"/>
+          </a:xfrm>
+          <a:prstGeom prst="rect">
+            <a:avLst/>
+          </a:prstGeom>
+          <a:noFill/>
+        </p:spPr>
+        <p:txBody>
+          <a:bodyPr wrap="square" rtlCol="0">
+            <a:spAutoFit/>
+          </a:bodyPr>
+          <a:lstStyle/>
+          <a:p>
+            <a:r>
+              <a:rPr lang="zh-TW" altLang="en-US" sz="2400" dirty="0"/>
+              <a:t>實際 </a:t>
+            </a:r>
+            <a:r>
+              <a:rPr lang="en-US" altLang="zh-TW" sz="2400" dirty="0"/>
+              <a:t>:</a:t>
+            </a:r>
+            <a:endParaRPr lang="zh-TW" altLang="en-US" sz="2400" dirty="0"/>
           </a:p>
         </p:txBody>
       </p:sp>
     </p:spTree>
     <p:extLst>
       <p:ext uri="{BB962C8B-B14F-4D97-AF65-F5344CB8AC3E}">
-        <p14:creationId xmlns:p14="http://schemas.microsoft.com/office/powerpoint/2010/main" val="2134701248"/>
+        <p14:creationId xmlns:p14="http://schemas.microsoft.com/office/powerpoint/2010/main" val="4065803939"/>
       </p:ext>
     </p:extLst>
   </p:cSld>
@@ -4242,6 +4691,107 @@
           <p:cNvPr id="2" name="標題 1">
             <a:extLst>
               <a:ext uri="{FF2B5EF4-FFF2-40B4-BE49-F238E27FC236}">
+                <a16:creationId xmlns:a16="http://schemas.microsoft.com/office/drawing/2014/main" id="{07BFCF15-8F19-74D7-30CA-6194DEC94AC6}"/>
+              </a:ext>
+            </a:extLst>
+          </p:cNvPr>
+          <p:cNvSpPr>
+            <a:spLocks noGrp="1"/>
+          </p:cNvSpPr>
+          <p:nvPr>
+            <p:ph type="title"/>
+          </p:nvPr>
+        </p:nvSpPr>
+        <p:spPr/>
+        <p:txBody>
+          <a:bodyPr/>
+          <a:lstStyle/>
+          <a:p>
+            <a:r>
+              <a:rPr lang="zh-TW" altLang="en-US" dirty="0"/>
+              <a:t>使用工具</a:t>
+            </a:r>
+          </a:p>
+        </p:txBody>
+      </p:sp>
+      <p:sp>
+        <p:nvSpPr>
+          <p:cNvPr id="3" name="內容版面配置區 2">
+            <a:extLst>
+              <a:ext uri="{FF2B5EF4-FFF2-40B4-BE49-F238E27FC236}">
+                <a16:creationId xmlns:a16="http://schemas.microsoft.com/office/drawing/2014/main" id="{56AA5032-DA39-E1B7-3638-023E887B5E51}"/>
+              </a:ext>
+            </a:extLst>
+          </p:cNvPr>
+          <p:cNvSpPr>
+            <a:spLocks noGrp="1"/>
+          </p:cNvSpPr>
+          <p:nvPr>
+            <p:ph idx="1"/>
+          </p:nvPr>
+        </p:nvSpPr>
+        <p:spPr/>
+        <p:txBody>
+          <a:bodyPr/>
+          <a:lstStyle/>
+          <a:p>
+            <a:r>
+              <a:rPr lang="en-US" altLang="zh-TW" dirty="0"/>
+              <a:t>HTML</a:t>
+            </a:r>
+          </a:p>
+          <a:p>
+            <a:r>
+              <a:rPr lang="en-US" altLang="zh-TW" dirty="0"/>
+              <a:t>CSS</a:t>
+            </a:r>
+          </a:p>
+          <a:p>
+            <a:r>
+              <a:rPr lang="en-US" altLang="zh-TW" dirty="0"/>
+              <a:t>JavaScript</a:t>
+            </a:r>
+          </a:p>
+          <a:p>
+            <a:endParaRPr lang="en-US" altLang="zh-TW" dirty="0"/>
+          </a:p>
+        </p:txBody>
+      </p:sp>
+    </p:spTree>
+    <p:extLst>
+      <p:ext uri="{BB962C8B-B14F-4D97-AF65-F5344CB8AC3E}">
+        <p14:creationId xmlns:p14="http://schemas.microsoft.com/office/powerpoint/2010/main" val="2134701248"/>
+      </p:ext>
+    </p:extLst>
+  </p:cSld>
+  <p:clrMapOvr>
+    <a:masterClrMapping/>
+  </p:clrMapOvr>
+</p:sld>
+</file>
+
+<file path=ppt/slides/slide4.xml><?xml version="1.0" encoding="utf-8"?>
+<p:sld xmlns:a="http://schemas.openxmlformats.org/drawingml/2006/main" xmlns:r="http://schemas.openxmlformats.org/officeDocument/2006/relationships" xmlns:p="http://schemas.openxmlformats.org/presentationml/2006/main">
+  <p:cSld>
+    <p:spTree>
+      <p:nvGrpSpPr>
+        <p:cNvPr id="1" name=""/>
+        <p:cNvGrpSpPr/>
+        <p:nvPr/>
+      </p:nvGrpSpPr>
+      <p:grpSpPr>
+        <a:xfrm>
+          <a:off x="0" y="0"/>
+          <a:ext cx="0" cy="0"/>
+          <a:chOff x="0" y="0"/>
+          <a:chExt cx="0" cy="0"/>
+        </a:xfrm>
+      </p:grpSpPr>
+      <p:sp>
+        <p:nvSpPr>
+          <p:cNvPr id="2" name="標題 1">
+            <a:extLst>
+              <a:ext uri="{FF2B5EF4-FFF2-40B4-BE49-F238E27FC236}">
                 <a16:creationId xmlns:a16="http://schemas.microsoft.com/office/drawing/2014/main" id="{65F152E6-ACFF-4089-A68B-081071FFCDEB}"/>
               </a:ext>
             </a:extLst>
@@ -4378,7 +4928,7 @@
 </p:sld>
 </file>
 
-<file path=ppt/slides/slide4.xml><?xml version="1.0" encoding="utf-8"?>
+<file path=ppt/slides/slide5.xml><?xml version="1.0" encoding="utf-8"?>
 <p:sld xmlns:a="http://schemas.openxmlformats.org/drawingml/2006/main" xmlns:r="http://schemas.openxmlformats.org/officeDocument/2006/relationships" xmlns:p="http://schemas.openxmlformats.org/presentationml/2006/main">
   <p:cSld>
     <p:spTree>
@@ -4697,7 +5247,7 @@
 </p:sld>
 </file>
 
-<file path=ppt/slides/slide5.xml><?xml version="1.0" encoding="utf-8"?>
+<file path=ppt/slides/slide6.xml><?xml version="1.0" encoding="utf-8"?>
 <p:sld xmlns:a="http://schemas.openxmlformats.org/drawingml/2006/main" xmlns:r="http://schemas.openxmlformats.org/officeDocument/2006/relationships" xmlns:p="http://schemas.openxmlformats.org/presentationml/2006/main">
   <p:cSld>
     <p:spTree>
@@ -5003,7 +5553,7 @@
 </p:sld>
 </file>
 
-<file path=ppt/slides/slide6.xml><?xml version="1.0" encoding="utf-8"?>
+<file path=ppt/slides/slide7.xml><?xml version="1.0" encoding="utf-8"?>
 <p:sld xmlns:a="http://schemas.openxmlformats.org/drawingml/2006/main" xmlns:r="http://schemas.openxmlformats.org/officeDocument/2006/relationships" xmlns:p="http://schemas.openxmlformats.org/presentationml/2006/main">
   <p:cSld>
     <p:spTree>
@@ -5367,7 +5917,7 @@
 </p:sld>
 </file>
 
-<file path=ppt/slides/slide7.xml><?xml version="1.0" encoding="utf-8"?>
+<file path=ppt/slides/slide8.xml><?xml version="1.0" encoding="utf-8"?>
 <p:sld xmlns:a="http://schemas.openxmlformats.org/drawingml/2006/main" xmlns:r="http://schemas.openxmlformats.org/officeDocument/2006/relationships" xmlns:p="http://schemas.openxmlformats.org/presentationml/2006/main">
   <p:cSld>
     <p:spTree>
@@ -5526,205 +6076,6 @@
     <p:extLst>
       <p:ext uri="{BB962C8B-B14F-4D97-AF65-F5344CB8AC3E}">
         <p14:creationId xmlns:p14="http://schemas.microsoft.com/office/powerpoint/2010/main" val="1192028319"/>
-      </p:ext>
-    </p:extLst>
-  </p:cSld>
-  <p:clrMapOvr>
-    <a:masterClrMapping/>
-  </p:clrMapOvr>
-</p:sld>
-</file>
-
-<file path=ppt/slides/slide8.xml><?xml version="1.0" encoding="utf-8"?>
-<p:sld xmlns:a="http://schemas.openxmlformats.org/drawingml/2006/main" xmlns:r="http://schemas.openxmlformats.org/officeDocument/2006/relationships" xmlns:p="http://schemas.openxmlformats.org/presentationml/2006/main">
-  <p:cSld>
-    <p:spTree>
-      <p:nvGrpSpPr>
-        <p:cNvPr id="1" name=""/>
-        <p:cNvGrpSpPr/>
-        <p:nvPr/>
-      </p:nvGrpSpPr>
-      <p:grpSpPr>
-        <a:xfrm>
-          <a:off x="0" y="0"/>
-          <a:ext cx="0" cy="0"/>
-          <a:chOff x="0" y="0"/>
-          <a:chExt cx="0" cy="0"/>
-        </a:xfrm>
-      </p:grpSpPr>
-      <p:sp>
-        <p:nvSpPr>
-          <p:cNvPr id="2" name="標題 1">
-            <a:extLst>
-              <a:ext uri="{FF2B5EF4-FFF2-40B4-BE49-F238E27FC236}">
-                <a16:creationId xmlns:a16="http://schemas.microsoft.com/office/drawing/2014/main" id="{7669772C-72A6-ABD8-7DD8-458AA746A502}"/>
-              </a:ext>
-            </a:extLst>
-          </p:cNvPr>
-          <p:cNvSpPr>
-            <a:spLocks noGrp="1"/>
-          </p:cNvSpPr>
-          <p:nvPr>
-            <p:ph type="title"/>
-          </p:nvPr>
-        </p:nvSpPr>
-        <p:spPr/>
-        <p:txBody>
-          <a:bodyPr/>
-          <a:lstStyle/>
-          <a:p>
-            <a:r>
-              <a:rPr lang="zh-TW" altLang="en-US" dirty="0"/>
-              <a:t>我的最愛</a:t>
-            </a:r>
-          </a:p>
-        </p:txBody>
-      </p:sp>
-      <p:pic>
-        <p:nvPicPr>
-          <p:cNvPr id="5" name="內容版面配置區 4">
-            <a:extLst>
-              <a:ext uri="{FF2B5EF4-FFF2-40B4-BE49-F238E27FC236}">
-                <a16:creationId xmlns:a16="http://schemas.microsoft.com/office/drawing/2014/main" id="{49F5EE07-ED24-5300-EBDE-41BD601BAFE6}"/>
-              </a:ext>
-            </a:extLst>
-          </p:cNvPr>
-          <p:cNvPicPr>
-            <a:picLocks noGrp="1" noChangeAspect="1"/>
-          </p:cNvPicPr>
-          <p:nvPr>
-            <p:ph idx="1"/>
-          </p:nvPr>
-        </p:nvPicPr>
-        <p:blipFill>
-          <a:blip r:embed="rId2"/>
-          <a:stretch>
-            <a:fillRect/>
-          </a:stretch>
-        </p:blipFill>
-        <p:spPr>
-          <a:xfrm>
-            <a:off x="1371600" y="1973874"/>
-            <a:ext cx="7261399" cy="4084027"/>
-          </a:xfrm>
-        </p:spPr>
-      </p:pic>
-      <p:sp>
-        <p:nvSpPr>
-          <p:cNvPr id="8" name="文字方塊 7">
-            <a:extLst>
-              <a:ext uri="{FF2B5EF4-FFF2-40B4-BE49-F238E27FC236}">
-                <a16:creationId xmlns:a16="http://schemas.microsoft.com/office/drawing/2014/main" id="{F5E71A54-8FAD-72DC-0012-057E39DE0AED}"/>
-              </a:ext>
-            </a:extLst>
-          </p:cNvPr>
-          <p:cNvSpPr txBox="1"/>
-          <p:nvPr/>
-        </p:nvSpPr>
-        <p:spPr>
-          <a:xfrm>
-            <a:off x="1371600" y="1494644"/>
-            <a:ext cx="2857500" cy="369332"/>
-          </a:xfrm>
-          <a:prstGeom prst="rect">
-            <a:avLst/>
-          </a:prstGeom>
-          <a:noFill/>
-        </p:spPr>
-        <p:txBody>
-          <a:bodyPr wrap="square" rtlCol="0">
-            <a:spAutoFit/>
-          </a:bodyPr>
-          <a:lstStyle/>
-          <a:p>
-            <a:r>
-              <a:rPr lang="zh-TW" altLang="en-US" dirty="0"/>
-              <a:t>收藏最愛後可在此頁查看</a:t>
-            </a:r>
-          </a:p>
-        </p:txBody>
-      </p:sp>
-      <p:sp>
-        <p:nvSpPr>
-          <p:cNvPr id="9" name="文字方塊 8">
-            <a:extLst>
-              <a:ext uri="{FF2B5EF4-FFF2-40B4-BE49-F238E27FC236}">
-                <a16:creationId xmlns:a16="http://schemas.microsoft.com/office/drawing/2014/main" id="{9FA9CA5F-E7D3-7295-3500-7E3110A23095}"/>
-              </a:ext>
-            </a:extLst>
-          </p:cNvPr>
-          <p:cNvSpPr txBox="1"/>
-          <p:nvPr/>
-        </p:nvSpPr>
-        <p:spPr>
-          <a:xfrm>
-            <a:off x="9003323" y="3259723"/>
-            <a:ext cx="2338753" cy="369332"/>
-          </a:xfrm>
-          <a:prstGeom prst="rect">
-            <a:avLst/>
-          </a:prstGeom>
-          <a:noFill/>
-        </p:spPr>
-        <p:txBody>
-          <a:bodyPr wrap="square" rtlCol="0">
-            <a:spAutoFit/>
-          </a:bodyPr>
-          <a:lstStyle/>
-          <a:p>
-            <a:r>
-              <a:rPr lang="zh-TW" altLang="en-US" dirty="0"/>
-              <a:t>點選可移除收藏狀態</a:t>
-            </a:r>
-          </a:p>
-        </p:txBody>
-      </p:sp>
-      <p:cxnSp>
-        <p:nvCxnSpPr>
-          <p:cNvPr id="11" name="直線單箭頭接點 10">
-            <a:extLst>
-              <a:ext uri="{FF2B5EF4-FFF2-40B4-BE49-F238E27FC236}">
-                <a16:creationId xmlns:a16="http://schemas.microsoft.com/office/drawing/2014/main" id="{A1891E00-BC3E-7BF3-F79A-EDA04E9A9B40}"/>
-              </a:ext>
-            </a:extLst>
-          </p:cNvPr>
-          <p:cNvCxnSpPr>
-            <a:cxnSpLocks/>
-            <a:endCxn id="9" idx="1"/>
-          </p:cNvCxnSpPr>
-          <p:nvPr/>
-        </p:nvCxnSpPr>
-        <p:spPr>
-          <a:xfrm>
-            <a:off x="8001000" y="3367454"/>
-            <a:ext cx="1002323" cy="76935"/>
-          </a:xfrm>
-          <a:prstGeom prst="straightConnector1">
-            <a:avLst/>
-          </a:prstGeom>
-          <a:ln>
-            <a:tailEnd type="triangle"/>
-          </a:ln>
-        </p:spPr>
-        <p:style>
-          <a:lnRef idx="1">
-            <a:schemeClr val="dk1"/>
-          </a:lnRef>
-          <a:fillRef idx="0">
-            <a:schemeClr val="dk1"/>
-          </a:fillRef>
-          <a:effectRef idx="0">
-            <a:schemeClr val="dk1"/>
-          </a:effectRef>
-          <a:fontRef idx="minor">
-            <a:schemeClr val="tx1"/>
-          </a:fontRef>
-        </p:style>
-      </p:cxnSp>
-    </p:spTree>
-    <p:extLst>
-      <p:ext uri="{BB962C8B-B14F-4D97-AF65-F5344CB8AC3E}">
-        <p14:creationId xmlns:p14="http://schemas.microsoft.com/office/powerpoint/2010/main" val="3061181465"/>
       </p:ext>
     </p:extLst>
   </p:cSld>
@@ -5756,7 +6107,7 @@
           <p:cNvPr id="2" name="標題 1">
             <a:extLst>
               <a:ext uri="{FF2B5EF4-FFF2-40B4-BE49-F238E27FC236}">
-                <a16:creationId xmlns:a16="http://schemas.microsoft.com/office/drawing/2014/main" id="{8759469A-50D5-729E-AA37-CC3C2E6856E0}"/>
+                <a16:creationId xmlns:a16="http://schemas.microsoft.com/office/drawing/2014/main" id="{7669772C-72A6-ABD8-7DD8-458AA746A502}"/>
               </a:ext>
             </a:extLst>
           </p:cNvPr>
@@ -5774,7 +6125,7 @@
           <a:p>
             <a:r>
               <a:rPr lang="zh-TW" altLang="en-US" dirty="0"/>
-              <a:t>購物車</a:t>
+              <a:t>我的最愛</a:t>
             </a:r>
           </a:p>
         </p:txBody>
@@ -5784,7 +6135,7 @@
           <p:cNvPr id="5" name="內容版面配置區 4">
             <a:extLst>
               <a:ext uri="{FF2B5EF4-FFF2-40B4-BE49-F238E27FC236}">
-                <a16:creationId xmlns:a16="http://schemas.microsoft.com/office/drawing/2014/main" id="{1F4E2449-D77A-F22A-9079-6B72A65F52CE}"/>
+                <a16:creationId xmlns:a16="http://schemas.microsoft.com/office/drawing/2014/main" id="{49F5EE07-ED24-5300-EBDE-41BD601BAFE6}"/>
               </a:ext>
             </a:extLst>
           </p:cNvPr>
@@ -5803,17 +6154,17 @@
         </p:blipFill>
         <p:spPr>
           <a:xfrm>
-            <a:off x="1371600" y="1978268"/>
-            <a:ext cx="5904733" cy="4088423"/>
+            <a:off x="1371600" y="1973874"/>
+            <a:ext cx="7261399" cy="4084027"/>
           </a:xfrm>
         </p:spPr>
       </p:pic>
       <p:sp>
         <p:nvSpPr>
-          <p:cNvPr id="6" name="文字方塊 5">
+          <p:cNvPr id="8" name="文字方塊 7">
             <a:extLst>
               <a:ext uri="{FF2B5EF4-FFF2-40B4-BE49-F238E27FC236}">
-                <a16:creationId xmlns:a16="http://schemas.microsoft.com/office/drawing/2014/main" id="{CDCD2009-D98A-3AB2-95BE-83B95008CB6E}"/>
+                <a16:creationId xmlns:a16="http://schemas.microsoft.com/office/drawing/2014/main" id="{F5E71A54-8FAD-72DC-0012-057E39DE0AED}"/>
               </a:ext>
             </a:extLst>
           </p:cNvPr>
@@ -5822,8 +6173,8 @@
         </p:nvSpPr>
         <p:spPr>
           <a:xfrm>
-            <a:off x="1371600" y="1494691"/>
-            <a:ext cx="3174023" cy="369332"/>
+            <a:off x="1371600" y="1494644"/>
+            <a:ext cx="2857500" cy="369332"/>
           </a:xfrm>
           <a:prstGeom prst="rect">
             <a:avLst/>
@@ -5838,17 +6189,17 @@
           <a:p>
             <a:r>
               <a:rPr lang="zh-TW" altLang="en-US" dirty="0"/>
-              <a:t>加入購物車後可在此頁查看</a:t>
-            </a:r>
-          </a:p>
-        </p:txBody>
-      </p:sp>
-      <p:sp>
-        <p:nvSpPr>
-          <p:cNvPr id="7" name="文字方塊 6">
+              <a:t>收藏最愛後可在此頁查看</a:t>
+            </a:r>
+          </a:p>
+        </p:txBody>
+      </p:sp>
+      <p:sp>
+        <p:nvSpPr>
+          <p:cNvPr id="9" name="文字方塊 8">
             <a:extLst>
               <a:ext uri="{FF2B5EF4-FFF2-40B4-BE49-F238E27FC236}">
-                <a16:creationId xmlns:a16="http://schemas.microsoft.com/office/drawing/2014/main" id="{3745A6D7-1BE5-1A36-B90B-1806D8F034F9}"/>
+                <a16:creationId xmlns:a16="http://schemas.microsoft.com/office/drawing/2014/main" id="{9FA9CA5F-E7D3-7295-3500-7E3110A23095}"/>
               </a:ext>
             </a:extLst>
           </p:cNvPr>
@@ -5857,8 +6208,8 @@
         </p:nvSpPr>
         <p:spPr>
           <a:xfrm>
-            <a:off x="7596553" y="3020116"/>
-            <a:ext cx="2743200" cy="369332"/>
+            <a:off x="9003323" y="3259723"/>
+            <a:ext cx="2338753" cy="369332"/>
           </a:xfrm>
           <a:prstGeom prst="rect">
             <a:avLst/>
@@ -5873,30 +6224,30 @@
           <a:p>
             <a:r>
               <a:rPr lang="zh-TW" altLang="en-US" dirty="0"/>
-              <a:t>點選可從購物車移除商品</a:t>
+              <a:t>點選可移除收藏狀態</a:t>
             </a:r>
           </a:p>
         </p:txBody>
       </p:sp>
       <p:cxnSp>
         <p:nvCxnSpPr>
-          <p:cNvPr id="9" name="直線單箭頭接點 8">
+          <p:cNvPr id="11" name="直線單箭頭接點 10">
             <a:extLst>
               <a:ext uri="{FF2B5EF4-FFF2-40B4-BE49-F238E27FC236}">
-                <a16:creationId xmlns:a16="http://schemas.microsoft.com/office/drawing/2014/main" id="{640248CB-6EA4-A97E-8167-1C9CD239A3B9}"/>
+                <a16:creationId xmlns:a16="http://schemas.microsoft.com/office/drawing/2014/main" id="{A1891E00-BC3E-7BF3-F79A-EDA04E9A9B40}"/>
               </a:ext>
             </a:extLst>
           </p:cNvPr>
           <p:cNvCxnSpPr>
             <a:cxnSpLocks/>
-            <a:endCxn id="7" idx="1"/>
+            <a:endCxn id="9" idx="1"/>
           </p:cNvCxnSpPr>
           <p:nvPr/>
         </p:nvCxnSpPr>
         <p:spPr>
           <a:xfrm>
-            <a:off x="6945923" y="3165231"/>
-            <a:ext cx="650630" cy="39551"/>
+            <a:off x="8001000" y="3367454"/>
+            <a:ext cx="1002323" cy="76935"/>
           </a:xfrm>
           <a:prstGeom prst="straightConnector1">
             <a:avLst/>
@@ -5920,162 +6271,10 @@
           </a:fontRef>
         </p:style>
       </p:cxnSp>
-      <p:sp>
-        <p:nvSpPr>
-          <p:cNvPr id="13" name="文字方塊 12">
-            <a:extLst>
-              <a:ext uri="{FF2B5EF4-FFF2-40B4-BE49-F238E27FC236}">
-                <a16:creationId xmlns:a16="http://schemas.microsoft.com/office/drawing/2014/main" id="{0A29E445-4A33-6BB5-9316-6AE4C17C8797}"/>
-              </a:ext>
-            </a:extLst>
-          </p:cNvPr>
-          <p:cNvSpPr txBox="1"/>
-          <p:nvPr/>
-        </p:nvSpPr>
-        <p:spPr>
-          <a:xfrm>
-            <a:off x="3251304" y="5363309"/>
-            <a:ext cx="1944949" cy="369332"/>
-          </a:xfrm>
-          <a:prstGeom prst="rect">
-            <a:avLst/>
-          </a:prstGeom>
-          <a:noFill/>
-        </p:spPr>
-        <p:txBody>
-          <a:bodyPr wrap="square" rtlCol="0">
-            <a:spAutoFit/>
-          </a:bodyPr>
-          <a:lstStyle/>
-          <a:p>
-            <a:r>
-              <a:rPr lang="zh-TW" altLang="en-US" dirty="0"/>
-              <a:t>自動計算總金額</a:t>
-            </a:r>
-          </a:p>
-        </p:txBody>
-      </p:sp>
-      <p:cxnSp>
-        <p:nvCxnSpPr>
-          <p:cNvPr id="15" name="直線單箭頭接點 14">
-            <a:extLst>
-              <a:ext uri="{FF2B5EF4-FFF2-40B4-BE49-F238E27FC236}">
-                <a16:creationId xmlns:a16="http://schemas.microsoft.com/office/drawing/2014/main" id="{FD484AA2-4E7D-5AB2-41FF-65E48DBDFFD3}"/>
-              </a:ext>
-            </a:extLst>
-          </p:cNvPr>
-          <p:cNvCxnSpPr>
-            <a:cxnSpLocks/>
-          </p:cNvCxnSpPr>
-          <p:nvPr/>
-        </p:nvCxnSpPr>
-        <p:spPr>
-          <a:xfrm>
-            <a:off x="2664069" y="5503985"/>
-            <a:ext cx="587235" cy="43990"/>
-          </a:xfrm>
-          <a:prstGeom prst="straightConnector1">
-            <a:avLst/>
-          </a:prstGeom>
-          <a:ln>
-            <a:tailEnd type="triangle"/>
-          </a:ln>
-        </p:spPr>
-        <p:style>
-          <a:lnRef idx="1">
-            <a:schemeClr val="dk1"/>
-          </a:lnRef>
-          <a:fillRef idx="0">
-            <a:schemeClr val="dk1"/>
-          </a:fillRef>
-          <a:effectRef idx="0">
-            <a:schemeClr val="dk1"/>
-          </a:effectRef>
-          <a:fontRef idx="minor">
-            <a:schemeClr val="tx1"/>
-          </a:fontRef>
-        </p:style>
-      </p:cxnSp>
-      <p:cxnSp>
-        <p:nvCxnSpPr>
-          <p:cNvPr id="4" name="直線單箭頭接點 3">
-            <a:extLst>
-              <a:ext uri="{FF2B5EF4-FFF2-40B4-BE49-F238E27FC236}">
-                <a16:creationId xmlns:a16="http://schemas.microsoft.com/office/drawing/2014/main" id="{8A681DC1-8766-7366-5CDE-BD355C20A2E7}"/>
-              </a:ext>
-            </a:extLst>
-          </p:cNvPr>
-          <p:cNvCxnSpPr>
-            <a:cxnSpLocks/>
-          </p:cNvCxnSpPr>
-          <p:nvPr/>
-        </p:nvCxnSpPr>
-        <p:spPr>
-          <a:xfrm>
-            <a:off x="2031023" y="6119445"/>
-            <a:ext cx="272562" cy="202224"/>
-          </a:xfrm>
-          <a:prstGeom prst="straightConnector1">
-            <a:avLst/>
-          </a:prstGeom>
-          <a:ln>
-            <a:tailEnd type="triangle"/>
-          </a:ln>
-        </p:spPr>
-        <p:style>
-          <a:lnRef idx="1">
-            <a:schemeClr val="dk1"/>
-          </a:lnRef>
-          <a:fillRef idx="0">
-            <a:schemeClr val="dk1"/>
-          </a:fillRef>
-          <a:effectRef idx="0">
-            <a:schemeClr val="dk1"/>
-          </a:effectRef>
-          <a:fontRef idx="minor">
-            <a:schemeClr val="tx1"/>
-          </a:fontRef>
-        </p:style>
-      </p:cxnSp>
-      <p:sp>
-        <p:nvSpPr>
-          <p:cNvPr id="10" name="文字方塊 9">
-            <a:extLst>
-              <a:ext uri="{FF2B5EF4-FFF2-40B4-BE49-F238E27FC236}">
-                <a16:creationId xmlns:a16="http://schemas.microsoft.com/office/drawing/2014/main" id="{270EC81C-B4F3-E3DA-0D2F-DC9869FF5BC3}"/>
-              </a:ext>
-            </a:extLst>
-          </p:cNvPr>
-          <p:cNvSpPr txBox="1"/>
-          <p:nvPr/>
-        </p:nvSpPr>
-        <p:spPr>
-          <a:xfrm>
-            <a:off x="1137099" y="6321669"/>
-            <a:ext cx="5035101" cy="369332"/>
-          </a:xfrm>
-          <a:prstGeom prst="rect">
-            <a:avLst/>
-          </a:prstGeom>
-          <a:noFill/>
-        </p:spPr>
-        <p:txBody>
-          <a:bodyPr wrap="square" rtlCol="0">
-            <a:spAutoFit/>
-          </a:bodyPr>
-          <a:lstStyle/>
-          <a:p>
-            <a:r>
-              <a:rPr lang="zh-TW" altLang="en-US" dirty="0"/>
-              <a:t>點選後出現彈出視窗顯示總金額，並清空購物車</a:t>
-            </a:r>
-          </a:p>
-        </p:txBody>
-      </p:sp>
     </p:spTree>
     <p:extLst>
       <p:ext uri="{BB962C8B-B14F-4D97-AF65-F5344CB8AC3E}">
-        <p14:creationId xmlns:p14="http://schemas.microsoft.com/office/powerpoint/2010/main" val="3043231919"/>
+        <p14:creationId xmlns:p14="http://schemas.microsoft.com/office/powerpoint/2010/main" val="3061181465"/>
       </p:ext>
     </p:extLst>
   </p:cSld>
